--- a/3º Entrega/CartaoDiagnostico.pptx
+++ b/3º Entrega/CartaoDiagnostico.pptx
@@ -5918,7 +5918,7 @@
         </p:nvSpPr>
         <p:spPr>
           <a:xfrm>
-            <a:off x="5929780" y="6402659"/>
+            <a:off x="8928296" y="6390451"/>
             <a:ext cx="3263704" cy="369332"/>
           </a:xfrm>
           <a:prstGeom prst="rect">
